--- a/tutorial41/RUST_TUTORIAL_41_SLIDE.pptx
+++ b/tutorial41/RUST_TUTORIAL_41_SLIDE.pptx
@@ -4540,6 +4540,122 @@
               <a:rPr lang="en-GB"/>
             </a:br>
             <a:endParaRPr lang="en-GB"/>
+          </a:p>
+          <a:p>
+            <a:endParaRPr lang="en-DE"/>
+          </a:p>
+        </p:txBody>
+      </p:sp>
+      <p:sp>
+        <p:nvSpPr>
+          <p:cNvPr id="3" name="TextBox 2">
+            <a:extLst>
+              <a:ext uri="{FF2B5EF4-FFF2-40B4-BE49-F238E27FC236}">
+                <a16:creationId xmlns:a16="http://schemas.microsoft.com/office/drawing/2014/main" id="{00399A2E-F48C-CA45-B1E9-AAB4D9A6DA43}"/>
+              </a:ext>
+            </a:extLst>
+          </p:cNvPr>
+          <p:cNvSpPr txBox="1"/>
+          <p:nvPr/>
+        </p:nvSpPr>
+        <p:spPr>
+          <a:xfrm>
+            <a:off x="4396000" y="671720"/>
+            <a:ext cx="6392776" cy="4247317"/>
+          </a:xfrm>
+          <a:prstGeom prst="rect">
+            <a:avLst/>
+          </a:prstGeom>
+          <a:noFill/>
+        </p:spPr>
+        <p:txBody>
+          <a:bodyPr wrap="none" rtlCol="0">
+            <a:spAutoFit/>
+          </a:bodyPr>
+          <a:lstStyle/>
+          <a:p>
+            <a:r>
+              <a:rPr lang="en-GB"/>
+              <a:t>//how to read user input in rust</a:t>
+            </a:r>
+          </a:p>
+          <a:p>
+            <a:r>
+              <a:rPr lang="en-GB"/>
+              <a:t>//how to convert user input into integer in rust</a:t>
+            </a:r>
+          </a:p>
+          <a:p>
+            <a:r>
+              <a:rPr lang="en-GB"/>
+              <a:t>use std::io;</a:t>
+            </a:r>
+          </a:p>
+          <a:p>
+            <a:r>
+              <a:rPr lang="en-GB"/>
+              <a:t>fn convert_to_int(year_input:&amp; String)-&gt;i32{</a:t>
+            </a:r>
+          </a:p>
+          <a:p>
+            <a:r>
+              <a:rPr lang="en-GB"/>
+              <a:t>let x=year_input.trim().parse::&lt;i32&gt;().unwrap();</a:t>
+            </a:r>
+          </a:p>
+          <a:p>
+            <a:r>
+              <a:rPr lang="en-GB"/>
+              <a:t>x</a:t>
+            </a:r>
+          </a:p>
+          <a:p>
+            <a:r>
+              <a:rPr lang="en-GB"/>
+              <a:t>}</a:t>
+            </a:r>
+          </a:p>
+          <a:p>
+            <a:r>
+              <a:rPr lang="en-GB"/>
+              <a:t>fn main(){</a:t>
+            </a:r>
+          </a:p>
+          <a:p>
+            <a:r>
+              <a:rPr lang="en-GB"/>
+              <a:t>println!("please enter the number");</a:t>
+            </a:r>
+          </a:p>
+          <a:p>
+            <a:r>
+              <a:rPr lang="en-GB"/>
+              <a:t>let mut year=String::new();</a:t>
+            </a:r>
+          </a:p>
+          <a:p>
+            <a:r>
+              <a:rPr lang="en-GB"/>
+              <a:t>io::stdin().read_line(&amp;mut year).expect("got error while reading");</a:t>
+            </a:r>
+          </a:p>
+          <a:p>
+            <a:r>
+              <a:rPr lang="en-GB"/>
+              <a:t>println!("numer is {}",convert_to_int(&amp; year)*2);</a:t>
+            </a:r>
+          </a:p>
+          <a:p>
+            <a:r>
+              <a:rPr lang="en-GB"/>
+              <a:t>println!("{}",year);</a:t>
+            </a:r>
+          </a:p>
+          <a:p>
+            <a:r>
+              <a:rPr lang="en-GB"/>
+              <a:t>}</a:t>
+            </a:r>
           </a:p>
           <a:p>
             <a:endParaRPr lang="en-DE"/>
